--- a/lectures/110_while_loops_and_vocabulary/Do-While-Vocab.pptx
+++ b/lectures/110_while_loops_and_vocabulary/Do-While-Vocab.pptx
@@ -257,7 +257,7 @@
           <a:p>
             <a:fld id="{2507D560-C4D4-4804-8CBF-2C56AB6C6DB9}" type="datetimeFigureOut">
               <a:rPr lang="en-US" smtClean="0"/>
-              <a:t>6/17/2021</a:t>
+              <a:t>8/16/2021</a:t>
             </a:fld>
             <a:endParaRPr lang="en-US"/>
           </a:p>
@@ -422,7 +422,7 @@
           <a:p>
             <a:fld id="{688E7586-9A7B-41FF-B169-85DADA744493}" type="datetimeFigureOut">
               <a:rPr lang="en-US" smtClean="0"/>
-              <a:t>6/17/2021</a:t>
+              <a:t>8/16/2021</a:t>
             </a:fld>
             <a:endParaRPr lang="en-US"/>
           </a:p>
@@ -4298,9 +4298,10 @@
           </a:p>
           <a:p>
             <a:r>
-              <a:rPr lang="en-US" dirty="0"/>
-              <a:t>Spring 2021</a:t>
-            </a:r>
+              <a:rPr lang="en-US" smtClean="0"/>
+              <a:t>Spring/Fall 20XX</a:t>
+            </a:r>
+            <a:endParaRPr lang="en-US" dirty="0"/>
           </a:p>
         </p:txBody>
       </p:sp>
